--- a/deboer_kelsey_final/deboer_kelsey_final.pptx
+++ b/deboer_kelsey_final/deboer_kelsey_final.pptx
@@ -8,8 +8,9 @@
     <p:sldId id="256" r:id="rId2"/>
     <p:sldId id="257" r:id="rId3"/>
     <p:sldId id="258" r:id="rId4"/>
-    <p:sldId id="259" r:id="rId5"/>
-    <p:sldId id="260" r:id="rId6"/>
+    <p:sldId id="261" r:id="rId5"/>
+    <p:sldId id="259" r:id="rId6"/>
+    <p:sldId id="260" r:id="rId7"/>
   </p:sldIdLst>
   <p:sldSz cx="12192000" cy="6858000"/>
   <p:notesSz cx="6858000" cy="9144000"/>
@@ -108,6 +109,11 @@
       </a:defRPr>
     </a:lvl9pPr>
   </p:defaultTextStyle>
+  <p:extLst>
+    <p:ext uri="{EFAFB233-063F-42B5-8137-9DF3F51BA10A}">
+      <p15:sldGuideLst xmlns:p15="http://schemas.microsoft.com/office/powerpoint/2012/main"/>
+    </p:ext>
+  </p:extLst>
 </p:presentation>
 </file>
 
@@ -7117,6 +7123,123 @@
           <p:cNvPr id="2" name="Title 1">
             <a:extLst>
               <a:ext uri="{FF2B5EF4-FFF2-40B4-BE49-F238E27FC236}">
+                <a16:creationId xmlns:a16="http://schemas.microsoft.com/office/drawing/2014/main" id="{68C8868E-596E-40CF-962D-8902159BB735}"/>
+              </a:ext>
+            </a:extLst>
+          </p:cNvPr>
+          <p:cNvSpPr>
+            <a:spLocks noGrp="1"/>
+          </p:cNvSpPr>
+          <p:nvPr>
+            <p:ph type="title"/>
+          </p:nvPr>
+        </p:nvSpPr>
+        <p:spPr/>
+        <p:txBody>
+          <a:bodyPr/>
+          <a:lstStyle/>
+          <a:p>
+            <a:r>
+              <a:rPr lang="en-CA" dirty="0" err="1"/>
+              <a:t>HomePage</a:t>
+            </a:r>
+            <a:endParaRPr lang="en-CA" dirty="0"/>
+          </a:p>
+        </p:txBody>
+      </p:sp>
+      <p:pic>
+        <p:nvPicPr>
+          <p:cNvPr id="6" name="Content Placeholder 5">
+            <a:extLst>
+              <a:ext uri="{FF2B5EF4-FFF2-40B4-BE49-F238E27FC236}">
+                <a16:creationId xmlns:a16="http://schemas.microsoft.com/office/drawing/2014/main" id="{3BE5B4EA-A6DD-46EF-83FA-67A0A42F0381}"/>
+              </a:ext>
+            </a:extLst>
+          </p:cNvPr>
+          <p:cNvPicPr>
+            <a:picLocks noGrp="1" noChangeAspect="1"/>
+          </p:cNvPicPr>
+          <p:nvPr>
+            <p:ph sz="half" idx="1"/>
+          </p:nvPr>
+        </p:nvPicPr>
+        <p:blipFill>
+          <a:blip r:embed="rId2"/>
+          <a:stretch>
+            <a:fillRect/>
+          </a:stretch>
+        </p:blipFill>
+        <p:spPr>
+          <a:xfrm>
+            <a:off x="1257300" y="3113554"/>
+            <a:ext cx="4800600" cy="1964392"/>
+          </a:xfrm>
+        </p:spPr>
+      </p:pic>
+      <p:pic>
+        <p:nvPicPr>
+          <p:cNvPr id="8" name="Content Placeholder 7">
+            <a:extLst>
+              <a:ext uri="{FF2B5EF4-FFF2-40B4-BE49-F238E27FC236}">
+                <a16:creationId xmlns:a16="http://schemas.microsoft.com/office/drawing/2014/main" id="{3510531B-2B11-418A-A650-7FEA49B064EC}"/>
+              </a:ext>
+            </a:extLst>
+          </p:cNvPr>
+          <p:cNvPicPr>
+            <a:picLocks noGrp="1" noChangeAspect="1"/>
+          </p:cNvPicPr>
+          <p:nvPr>
+            <p:ph sz="half" idx="2"/>
+          </p:nvPr>
+        </p:nvPicPr>
+        <p:blipFill>
+          <a:blip r:embed="rId3"/>
+          <a:stretch>
+            <a:fillRect/>
+          </a:stretch>
+        </p:blipFill>
+        <p:spPr>
+          <a:xfrm>
+            <a:off x="6648450" y="3628276"/>
+            <a:ext cx="4800600" cy="934948"/>
+          </a:xfrm>
+        </p:spPr>
+      </p:pic>
+    </p:spTree>
+    <p:extLst>
+      <p:ext uri="{BB962C8B-B14F-4D97-AF65-F5344CB8AC3E}">
+        <p14:creationId xmlns:p14="http://schemas.microsoft.com/office/powerpoint/2010/main" val="3509432744"/>
+      </p:ext>
+    </p:extLst>
+  </p:cSld>
+  <p:clrMapOvr>
+    <a:masterClrMapping/>
+  </p:clrMapOvr>
+</p:sld>
+</file>
+
+<file path=ppt/slides/slide5.xml><?xml version="1.0" encoding="utf-8"?>
+<p:sld xmlns:a="http://schemas.openxmlformats.org/drawingml/2006/main" xmlns:r="http://schemas.openxmlformats.org/officeDocument/2006/relationships" xmlns:p="http://schemas.openxmlformats.org/presentationml/2006/main">
+  <p:cSld>
+    <p:spTree>
+      <p:nvGrpSpPr>
+        <p:cNvPr id="1" name=""/>
+        <p:cNvGrpSpPr/>
+        <p:nvPr/>
+      </p:nvGrpSpPr>
+      <p:grpSpPr>
+        <a:xfrm>
+          <a:off x="0" y="0"/>
+          <a:ext cx="0" cy="0"/>
+          <a:chOff x="0" y="0"/>
+          <a:chExt cx="0" cy="0"/>
+        </a:xfrm>
+      </p:grpSpPr>
+      <p:sp>
+        <p:nvSpPr>
+          <p:cNvPr id="2" name="Title 1">
+            <a:extLst>
+              <a:ext uri="{FF2B5EF4-FFF2-40B4-BE49-F238E27FC236}">
                 <a16:creationId xmlns:a16="http://schemas.microsoft.com/office/drawing/2014/main" id="{32355001-15B0-4144-B438-1D4F78A33BEA}"/>
               </a:ext>
             </a:extLst>
@@ -7245,7 +7368,7 @@
 </p:sld>
 </file>
 
-<file path=ppt/slides/slide5.xml><?xml version="1.0" encoding="utf-8"?>
+<file path=ppt/slides/slide6.xml><?xml version="1.0" encoding="utf-8"?>
 <p:sld xmlns:a="http://schemas.openxmlformats.org/drawingml/2006/main" xmlns:r="http://schemas.openxmlformats.org/officeDocument/2006/relationships" xmlns:p="http://schemas.openxmlformats.org/presentationml/2006/main">
   <p:cSld>
     <p:spTree>

--- a/deboer_kelsey_final/deboer_kelsey_final.pptx
+++ b/deboer_kelsey_final/deboer_kelsey_final.pptx
@@ -8,9 +8,8 @@
     <p:sldId id="256" r:id="rId2"/>
     <p:sldId id="257" r:id="rId3"/>
     <p:sldId id="258" r:id="rId4"/>
-    <p:sldId id="261" r:id="rId5"/>
-    <p:sldId id="259" r:id="rId6"/>
-    <p:sldId id="260" r:id="rId7"/>
+    <p:sldId id="259" r:id="rId5"/>
+    <p:sldId id="260" r:id="rId6"/>
   </p:sldIdLst>
   <p:sldSz cx="12192000" cy="6858000"/>
   <p:notesSz cx="6858000" cy="9144000"/>
@@ -109,11 +108,6 @@
       </a:defRPr>
     </a:lvl9pPr>
   </p:defaultTextStyle>
-  <p:extLst>
-    <p:ext uri="{EFAFB233-063F-42B5-8137-9DF3F51BA10A}">
-      <p15:sldGuideLst xmlns:p15="http://schemas.microsoft.com/office/powerpoint/2012/main"/>
-    </p:ext>
-  </p:extLst>
 </p:presentation>
 </file>
 
@@ -7123,123 +7117,6 @@
           <p:cNvPr id="2" name="Title 1">
             <a:extLst>
               <a:ext uri="{FF2B5EF4-FFF2-40B4-BE49-F238E27FC236}">
-                <a16:creationId xmlns:a16="http://schemas.microsoft.com/office/drawing/2014/main" id="{68C8868E-596E-40CF-962D-8902159BB735}"/>
-              </a:ext>
-            </a:extLst>
-          </p:cNvPr>
-          <p:cNvSpPr>
-            <a:spLocks noGrp="1"/>
-          </p:cNvSpPr>
-          <p:nvPr>
-            <p:ph type="title"/>
-          </p:nvPr>
-        </p:nvSpPr>
-        <p:spPr/>
-        <p:txBody>
-          <a:bodyPr/>
-          <a:lstStyle/>
-          <a:p>
-            <a:r>
-              <a:rPr lang="en-CA" dirty="0" err="1"/>
-              <a:t>HomePage</a:t>
-            </a:r>
-            <a:endParaRPr lang="en-CA" dirty="0"/>
-          </a:p>
-        </p:txBody>
-      </p:sp>
-      <p:pic>
-        <p:nvPicPr>
-          <p:cNvPr id="6" name="Content Placeholder 5">
-            <a:extLst>
-              <a:ext uri="{FF2B5EF4-FFF2-40B4-BE49-F238E27FC236}">
-                <a16:creationId xmlns:a16="http://schemas.microsoft.com/office/drawing/2014/main" id="{3BE5B4EA-A6DD-46EF-83FA-67A0A42F0381}"/>
-              </a:ext>
-            </a:extLst>
-          </p:cNvPr>
-          <p:cNvPicPr>
-            <a:picLocks noGrp="1" noChangeAspect="1"/>
-          </p:cNvPicPr>
-          <p:nvPr>
-            <p:ph sz="half" idx="1"/>
-          </p:nvPr>
-        </p:nvPicPr>
-        <p:blipFill>
-          <a:blip r:embed="rId2"/>
-          <a:stretch>
-            <a:fillRect/>
-          </a:stretch>
-        </p:blipFill>
-        <p:spPr>
-          <a:xfrm>
-            <a:off x="1257300" y="3113554"/>
-            <a:ext cx="4800600" cy="1964392"/>
-          </a:xfrm>
-        </p:spPr>
-      </p:pic>
-      <p:pic>
-        <p:nvPicPr>
-          <p:cNvPr id="8" name="Content Placeholder 7">
-            <a:extLst>
-              <a:ext uri="{FF2B5EF4-FFF2-40B4-BE49-F238E27FC236}">
-                <a16:creationId xmlns:a16="http://schemas.microsoft.com/office/drawing/2014/main" id="{3510531B-2B11-418A-A650-7FEA49B064EC}"/>
-              </a:ext>
-            </a:extLst>
-          </p:cNvPr>
-          <p:cNvPicPr>
-            <a:picLocks noGrp="1" noChangeAspect="1"/>
-          </p:cNvPicPr>
-          <p:nvPr>
-            <p:ph sz="half" idx="2"/>
-          </p:nvPr>
-        </p:nvPicPr>
-        <p:blipFill>
-          <a:blip r:embed="rId3"/>
-          <a:stretch>
-            <a:fillRect/>
-          </a:stretch>
-        </p:blipFill>
-        <p:spPr>
-          <a:xfrm>
-            <a:off x="6648450" y="3628276"/>
-            <a:ext cx="4800600" cy="934948"/>
-          </a:xfrm>
-        </p:spPr>
-      </p:pic>
-    </p:spTree>
-    <p:extLst>
-      <p:ext uri="{BB962C8B-B14F-4D97-AF65-F5344CB8AC3E}">
-        <p14:creationId xmlns:p14="http://schemas.microsoft.com/office/powerpoint/2010/main" val="3509432744"/>
-      </p:ext>
-    </p:extLst>
-  </p:cSld>
-  <p:clrMapOvr>
-    <a:masterClrMapping/>
-  </p:clrMapOvr>
-</p:sld>
-</file>
-
-<file path=ppt/slides/slide5.xml><?xml version="1.0" encoding="utf-8"?>
-<p:sld xmlns:a="http://schemas.openxmlformats.org/drawingml/2006/main" xmlns:r="http://schemas.openxmlformats.org/officeDocument/2006/relationships" xmlns:p="http://schemas.openxmlformats.org/presentationml/2006/main">
-  <p:cSld>
-    <p:spTree>
-      <p:nvGrpSpPr>
-        <p:cNvPr id="1" name=""/>
-        <p:cNvGrpSpPr/>
-        <p:nvPr/>
-      </p:nvGrpSpPr>
-      <p:grpSpPr>
-        <a:xfrm>
-          <a:off x="0" y="0"/>
-          <a:ext cx="0" cy="0"/>
-          <a:chOff x="0" y="0"/>
-          <a:chExt cx="0" cy="0"/>
-        </a:xfrm>
-      </p:grpSpPr>
-      <p:sp>
-        <p:nvSpPr>
-          <p:cNvPr id="2" name="Title 1">
-            <a:extLst>
-              <a:ext uri="{FF2B5EF4-FFF2-40B4-BE49-F238E27FC236}">
                 <a16:creationId xmlns:a16="http://schemas.microsoft.com/office/drawing/2014/main" id="{32355001-15B0-4144-B438-1D4F78A33BEA}"/>
               </a:ext>
             </a:extLst>
@@ -7368,7 +7245,7 @@
 </p:sld>
 </file>
 
-<file path=ppt/slides/slide6.xml><?xml version="1.0" encoding="utf-8"?>
+<file path=ppt/slides/slide5.xml><?xml version="1.0" encoding="utf-8"?>
 <p:sld xmlns:a="http://schemas.openxmlformats.org/drawingml/2006/main" xmlns:r="http://schemas.openxmlformats.org/officeDocument/2006/relationships" xmlns:p="http://schemas.openxmlformats.org/presentationml/2006/main">
   <p:cSld>
     <p:spTree>
